--- a/AzFunctions/Durable Functions - MVP.pptx
+++ b/AzFunctions/Durable Functions - MVP.pptx
@@ -5,7 +5,7 @@
     <p:sldMasterId id="2147483648" r:id="rId4"/>
   </p:sldMasterIdLst>
   <p:notesMasterIdLst>
-    <p:notesMasterId r:id="rId26"/>
+    <p:notesMasterId r:id="rId27"/>
   </p:notesMasterIdLst>
   <p:sldIdLst>
     <p:sldId id="256" r:id="rId5"/>
@@ -22,13 +22,14 @@
     <p:sldId id="266" r:id="rId16"/>
     <p:sldId id="265" r:id="rId17"/>
     <p:sldId id="272" r:id="rId18"/>
-    <p:sldId id="280" r:id="rId19"/>
-    <p:sldId id="282" r:id="rId20"/>
-    <p:sldId id="283" r:id="rId21"/>
-    <p:sldId id="279" r:id="rId22"/>
-    <p:sldId id="273" r:id="rId23"/>
-    <p:sldId id="287" r:id="rId24"/>
-    <p:sldId id="288" r:id="rId25"/>
+    <p:sldId id="289" r:id="rId19"/>
+    <p:sldId id="280" r:id="rId20"/>
+    <p:sldId id="282" r:id="rId21"/>
+    <p:sldId id="283" r:id="rId22"/>
+    <p:sldId id="279" r:id="rId23"/>
+    <p:sldId id="273" r:id="rId24"/>
+    <p:sldId id="287" r:id="rId25"/>
+    <p:sldId id="288" r:id="rId26"/>
   </p:sldIdLst>
   <p:sldSz cx="12192000" cy="6858000"/>
   <p:notesSz cx="6858000" cy="9144000"/>
@@ -150,6 +151,7 @@
             <p14:sldId id="266"/>
             <p14:sldId id="265"/>
             <p14:sldId id="272"/>
+            <p14:sldId id="289"/>
           </p14:sldIdLst>
         </p14:section>
         <p14:section name="General Design Information" id="{A59C16F1-B98E-4C84-9AB9-FFB347A247A9}">
@@ -505,7 +507,7 @@
           <a:p>
             <a:fld id="{A216FB8D-0277-4E08-9896-1FC8031B3939}" type="datetimeFigureOut">
               <a:rPr lang="en-US" smtClean="0"/>
-              <a:t>4/14/2021</a:t>
+              <a:t>9/23/2022</a:t>
             </a:fld>
             <a:endParaRPr lang="en-US"/>
           </a:p>
@@ -1296,7 +1298,7 @@
           <a:p>
             <a:fld id="{507145BA-C3B4-4DFD-8BEA-002ACC8A21AD}" type="slidenum">
               <a:rPr lang="en-US" smtClean="0"/>
-              <a:t>16</a:t>
+              <a:t>17</a:t>
             </a:fld>
             <a:endParaRPr lang="en-US"/>
           </a:p>
@@ -1383,7 +1385,7 @@
           <a:p>
             <a:fld id="{507145BA-C3B4-4DFD-8BEA-002ACC8A21AD}" type="slidenum">
               <a:rPr lang="en-US" smtClean="0"/>
-              <a:t>18</a:t>
+              <a:t>19</a:t>
             </a:fld>
             <a:endParaRPr lang="en-US"/>
           </a:p>
@@ -1467,7 +1469,7 @@
           <a:p>
             <a:fld id="{507145BA-C3B4-4DFD-8BEA-002ACC8A21AD}" type="slidenum">
               <a:rPr lang="en-US" smtClean="0"/>
-              <a:t>21</a:t>
+              <a:t>22</a:t>
             </a:fld>
             <a:endParaRPr lang="en-US"/>
           </a:p>
@@ -1615,7 +1617,7 @@
           <a:p>
             <a:fld id="{6E4475C0-E2C7-4A3E-A64B-E2803FC53065}" type="datetime1">
               <a:rPr lang="en-US" smtClean="0"/>
-              <a:t>4/14/2021</a:t>
+              <a:t>9/23/2022</a:t>
             </a:fld>
             <a:endParaRPr lang="en-US"/>
           </a:p>
@@ -1787,7 +1789,7 @@
           <a:p>
             <a:fld id="{1A8C9CDB-8126-4444-9A2F-5BF8AD17EA87}" type="datetime1">
               <a:rPr lang="en-US" smtClean="0"/>
-              <a:t>4/14/2021</a:t>
+              <a:t>9/23/2022</a:t>
             </a:fld>
             <a:endParaRPr lang="en-US"/>
           </a:p>
@@ -1968,7 +1970,7 @@
           <a:p>
             <a:fld id="{861BD3BC-6755-4655-AC2C-D5473E9C126A}" type="datetime1">
               <a:rPr lang="en-US" smtClean="0"/>
-              <a:t>4/14/2021</a:t>
+              <a:t>9/23/2022</a:t>
             </a:fld>
             <a:endParaRPr lang="en-US"/>
           </a:p>
@@ -2139,7 +2141,7 @@
           <a:p>
             <a:fld id="{35AA432D-2EB3-4DCE-8017-240297E276EE}" type="datetime1">
               <a:rPr lang="en-US" smtClean="0"/>
-              <a:t>4/14/2021</a:t>
+              <a:t>9/23/2022</a:t>
             </a:fld>
             <a:endParaRPr lang="en-US"/>
           </a:p>
@@ -2392,7 +2394,7 @@
           <a:p>
             <a:fld id="{3E9EA0B7-CBA0-4FC9-B968-B0A0D0D63218}" type="datetime1">
               <a:rPr lang="en-US" smtClean="0"/>
-              <a:t>4/14/2021</a:t>
+              <a:t>9/23/2022</a:t>
             </a:fld>
             <a:endParaRPr lang="en-US"/>
           </a:p>
@@ -2625,7 +2627,7 @@
           <a:p>
             <a:fld id="{B139D3BC-B21B-444F-B661-E3DE40EAB573}" type="datetime1">
               <a:rPr lang="en-US" smtClean="0"/>
-              <a:t>4/14/2021</a:t>
+              <a:t>9/23/2022</a:t>
             </a:fld>
             <a:endParaRPr lang="en-US"/>
           </a:p>
@@ -2993,7 +2995,7 @@
           <a:p>
             <a:fld id="{A6DAF800-57CA-4CE1-97D5-577268F967B2}" type="datetime1">
               <a:rPr lang="en-US" smtClean="0"/>
-              <a:t>4/14/2021</a:t>
+              <a:t>9/23/2022</a:t>
             </a:fld>
             <a:endParaRPr lang="en-US"/>
           </a:p>
@@ -3114,7 +3116,7 @@
           <a:p>
             <a:fld id="{6F6DB451-C5A7-4808-B4C0-E80021BAFBFA}" type="datetime1">
               <a:rPr lang="en-US" smtClean="0"/>
-              <a:t>4/14/2021</a:t>
+              <a:t>9/23/2022</a:t>
             </a:fld>
             <a:endParaRPr lang="en-US"/>
           </a:p>
@@ -3213,7 +3215,7 @@
           <a:p>
             <a:fld id="{50E77D61-EA0E-4BF5-922C-21A2863F7AA3}" type="datetime1">
               <a:rPr lang="en-US" smtClean="0"/>
-              <a:t>4/14/2021</a:t>
+              <a:t>9/23/2022</a:t>
             </a:fld>
             <a:endParaRPr lang="en-US"/>
           </a:p>
@@ -3491,7 +3493,7 @@
           <a:p>
             <a:fld id="{A830A652-0EC0-43B2-8EEB-D2B5B91594FE}" type="datetime1">
               <a:rPr lang="en-US" smtClean="0"/>
-              <a:t>4/14/2021</a:t>
+              <a:t>9/23/2022</a:t>
             </a:fld>
             <a:endParaRPr lang="en-US"/>
           </a:p>
@@ -3746,7 +3748,7 @@
           <a:p>
             <a:fld id="{601261E5-7818-48C8-BA01-850660C9957C}" type="datetime1">
               <a:rPr lang="en-US" smtClean="0"/>
-              <a:t>4/14/2021</a:t>
+              <a:t>9/23/2022</a:t>
             </a:fld>
             <a:endParaRPr lang="en-US"/>
           </a:p>
@@ -3960,7 +3962,7 @@
           <a:p>
             <a:fld id="{F03F863D-8346-4BCF-8774-06D05EE90ECF}" type="datetime1">
               <a:rPr lang="en-US" smtClean="0"/>
-              <a:t>4/14/2021</a:t>
+              <a:t>9/23/2022</a:t>
             </a:fld>
             <a:endParaRPr lang="en-US"/>
           </a:p>
@@ -8938,7 +8940,13 @@
       </p:grpSpPr>
       <p:sp>
         <p:nvSpPr>
-          <p:cNvPr id="2" name="Title 1"/>
+          <p:cNvPr id="2" name="Title 1">
+            <a:extLst>
+              <a:ext uri="{FF2B5EF4-FFF2-40B4-BE49-F238E27FC236}">
+                <a16:creationId xmlns:a16="http://schemas.microsoft.com/office/drawing/2014/main" id="{0090EE0C-4172-49B4-9045-57D8C3E82E69}"/>
+              </a:ext>
+            </a:extLst>
+          </p:cNvPr>
           <p:cNvSpPr>
             <a:spLocks noGrp="1"/>
           </p:cNvSpPr>
@@ -8952,35 +8960,248 @@
           <a:lstStyle/>
           <a:p>
             <a:r>
-              <a:rPr lang="en-US" dirty="0"/>
-              <a:t>INTERNAL Design</a:t>
-            </a:r>
-          </a:p>
-        </p:txBody>
-      </p:sp>
-      <p:sp>
-        <p:nvSpPr>
-          <p:cNvPr id="3" name="Text Placeholder 2"/>
+              <a:rPr lang="en-DE" dirty="0"/>
+              <a:t>Managing Instances</a:t>
+            </a:r>
+            <a:endParaRPr lang="de-DE" dirty="0"/>
+          </a:p>
+        </p:txBody>
+      </p:sp>
+      <p:sp>
+        <p:nvSpPr>
+          <p:cNvPr id="3" name="Content Placeholder 2">
+            <a:extLst>
+              <a:ext uri="{FF2B5EF4-FFF2-40B4-BE49-F238E27FC236}">
+                <a16:creationId xmlns:a16="http://schemas.microsoft.com/office/drawing/2014/main" id="{F343B175-8022-6862-6A70-E7520D2ECD3D}"/>
+              </a:ext>
+            </a:extLst>
+          </p:cNvPr>
           <p:cNvSpPr>
             <a:spLocks noGrp="1"/>
           </p:cNvSpPr>
           <p:nvPr>
-            <p:ph type="body" idx="1"/>
+            <p:ph idx="1"/>
           </p:nvPr>
         </p:nvSpPr>
         <p:spPr/>
         <p:txBody>
-          <a:bodyPr/>
+          <a:bodyPr>
+            <a:normAutofit/>
+          </a:bodyPr>
           <a:lstStyle/>
           <a:p>
-            <a:endParaRPr lang="en-US"/>
+            <a:pPr marL="0" indent="0">
+              <a:buNone/>
+            </a:pPr>
+            <a:r>
+              <a:rPr lang="de-DE" sz="1800" dirty="0" err="1">
+                <a:latin typeface="Consolas" panose="020B0609020204030204" pitchFamily="49" charset="0"/>
+              </a:rPr>
+              <a:t>func</a:t>
+            </a:r>
+            <a:r>
+              <a:rPr lang="de-DE" sz="1800" dirty="0">
+                <a:latin typeface="Consolas" panose="020B0609020204030204" pitchFamily="49" charset="0"/>
+              </a:rPr>
+              <a:t> durable –</a:t>
+            </a:r>
+            <a:r>
+              <a:rPr lang="de-DE" sz="1800" dirty="0" err="1">
+                <a:latin typeface="Consolas" panose="020B0609020204030204" pitchFamily="49" charset="0"/>
+              </a:rPr>
+              <a:t>help</a:t>
+            </a:r>
+            <a:endParaRPr lang="en-DE" sz="1800" dirty="0">
+              <a:latin typeface="Consolas" panose="020B0609020204030204" pitchFamily="49" charset="0"/>
+            </a:endParaRPr>
+          </a:p>
+          <a:p>
+            <a:pPr marL="0" indent="0">
+              <a:buNone/>
+            </a:pPr>
+            <a:endParaRPr lang="en-DE" sz="1800" dirty="0">
+              <a:latin typeface="Consolas" panose="020B0609020204030204" pitchFamily="49" charset="0"/>
+            </a:endParaRPr>
+          </a:p>
+          <a:p>
+            <a:pPr marL="0" indent="0">
+              <a:buNone/>
+            </a:pPr>
+            <a:r>
+              <a:rPr lang="de-DE" sz="1800" dirty="0" err="1">
+                <a:latin typeface="Consolas" panose="020B0609020204030204" pitchFamily="49" charset="0"/>
+              </a:rPr>
+              <a:t>func</a:t>
+            </a:r>
+            <a:r>
+              <a:rPr lang="de-DE" sz="1800" dirty="0">
+                <a:latin typeface="Consolas" panose="020B0609020204030204" pitchFamily="49" charset="0"/>
+              </a:rPr>
+              <a:t> durable </a:t>
+            </a:r>
+            <a:r>
+              <a:rPr lang="de-DE" sz="1800" dirty="0" err="1">
+                <a:latin typeface="Consolas" panose="020B0609020204030204" pitchFamily="49" charset="0"/>
+              </a:rPr>
+              <a:t>get-instances</a:t>
+            </a:r>
+            <a:endParaRPr lang="en-DE" sz="1800" dirty="0">
+              <a:latin typeface="Consolas" panose="020B0609020204030204" pitchFamily="49" charset="0"/>
+            </a:endParaRPr>
+          </a:p>
+          <a:p>
+            <a:pPr marL="0" indent="0">
+              <a:buNone/>
+            </a:pPr>
+            <a:endParaRPr lang="en-DE" sz="1800" dirty="0">
+              <a:latin typeface="Consolas" panose="020B0609020204030204" pitchFamily="49" charset="0"/>
+            </a:endParaRPr>
+          </a:p>
+          <a:p>
+            <a:pPr marL="0" indent="0">
+              <a:buNone/>
+            </a:pPr>
+            <a:r>
+              <a:rPr lang="en-US" sz="1800" dirty="0" err="1">
+                <a:latin typeface="Consolas" panose="020B0609020204030204" pitchFamily="49" charset="0"/>
+              </a:rPr>
+              <a:t>func</a:t>
+            </a:r>
+            <a:r>
+              <a:rPr lang="en-US" sz="1800" dirty="0">
+                <a:latin typeface="Consolas" panose="020B0609020204030204" pitchFamily="49" charset="0"/>
+              </a:rPr>
+              <a:t> durable get-runtime-status --id f4302c36a47c42a59459de14e1d16297</a:t>
+            </a:r>
+            <a:endParaRPr lang="en-DE" sz="1800" dirty="0">
+              <a:latin typeface="Consolas" panose="020B0609020204030204" pitchFamily="49" charset="0"/>
+            </a:endParaRPr>
+          </a:p>
+          <a:p>
+            <a:pPr marL="0" indent="0">
+              <a:buNone/>
+            </a:pPr>
+            <a:endParaRPr lang="en-DE" sz="1800" dirty="0">
+              <a:latin typeface="Consolas" panose="020B0609020204030204" pitchFamily="49" charset="0"/>
+            </a:endParaRPr>
+          </a:p>
+          <a:p>
+            <a:pPr marL="0" indent="0">
+              <a:buNone/>
+            </a:pPr>
+            <a:r>
+              <a:rPr lang="en-US" sz="1800" dirty="0" err="1">
+                <a:latin typeface="Consolas" panose="020B0609020204030204" pitchFamily="49" charset="0"/>
+              </a:rPr>
+              <a:t>func</a:t>
+            </a:r>
+            <a:r>
+              <a:rPr lang="en-US" sz="1800" dirty="0">
+                <a:latin typeface="Consolas" panose="020B0609020204030204" pitchFamily="49" charset="0"/>
+              </a:rPr>
+              <a:t> durable get-history --id f4302c36a47c42a59459de14e1d16297</a:t>
+            </a:r>
+            <a:endParaRPr lang="en-DE" sz="1800" dirty="0">
+              <a:latin typeface="Consolas" panose="020B0609020204030204" pitchFamily="49" charset="0"/>
+            </a:endParaRPr>
+          </a:p>
+          <a:p>
+            <a:pPr marL="0" indent="0">
+              <a:buNone/>
+            </a:pPr>
+            <a:endParaRPr lang="en-DE" sz="1800" dirty="0">
+              <a:latin typeface="Consolas" panose="020B0609020204030204" pitchFamily="49" charset="0"/>
+            </a:endParaRPr>
+          </a:p>
+          <a:p>
+            <a:pPr marL="0" indent="0">
+              <a:buNone/>
+            </a:pPr>
+            <a:r>
+              <a:rPr lang="de-DE" sz="1800" dirty="0" err="1">
+                <a:latin typeface="Consolas" panose="020B0609020204030204" pitchFamily="49" charset="0"/>
+              </a:rPr>
+              <a:t>func</a:t>
+            </a:r>
+            <a:r>
+              <a:rPr lang="de-DE" sz="1800" dirty="0">
+                <a:latin typeface="Consolas" panose="020B0609020204030204" pitchFamily="49" charset="0"/>
+              </a:rPr>
+              <a:t> durable </a:t>
+            </a:r>
+            <a:r>
+              <a:rPr lang="de-DE" sz="1800" dirty="0" err="1">
+                <a:latin typeface="Consolas" panose="020B0609020204030204" pitchFamily="49" charset="0"/>
+              </a:rPr>
+              <a:t>terminate</a:t>
+            </a:r>
+            <a:r>
+              <a:rPr lang="de-DE" sz="1800" dirty="0">
+                <a:latin typeface="Consolas" panose="020B0609020204030204" pitchFamily="49" charset="0"/>
+              </a:rPr>
+              <a:t> --</a:t>
+            </a:r>
+            <a:r>
+              <a:rPr lang="de-DE" sz="1800" dirty="0" err="1">
+                <a:latin typeface="Consolas" panose="020B0609020204030204" pitchFamily="49" charset="0"/>
+              </a:rPr>
+              <a:t>id</a:t>
+            </a:r>
+            <a:r>
+              <a:rPr lang="de-DE" sz="1800" dirty="0">
+                <a:latin typeface="Consolas" panose="020B0609020204030204" pitchFamily="49" charset="0"/>
+              </a:rPr>
+              <a:t> f4302c36a47c42a59459de14e1d16297</a:t>
+            </a:r>
+          </a:p>
+        </p:txBody>
+      </p:sp>
+      <p:sp>
+        <p:nvSpPr>
+          <p:cNvPr id="7" name="TextBox 6">
+            <a:extLst>
+              <a:ext uri="{FF2B5EF4-FFF2-40B4-BE49-F238E27FC236}">
+                <a16:creationId xmlns:a16="http://schemas.microsoft.com/office/drawing/2014/main" id="{3CB03CDB-D82E-E8FB-9392-7AD21C42A276}"/>
+              </a:ext>
+            </a:extLst>
+          </p:cNvPr>
+          <p:cNvSpPr txBox="1"/>
+          <p:nvPr/>
+        </p:nvSpPr>
+        <p:spPr>
+          <a:xfrm>
+            <a:off x="365051" y="6492875"/>
+            <a:ext cx="11461898" cy="307777"/>
+          </a:xfrm>
+          <a:prstGeom prst="rect">
+            <a:avLst/>
+          </a:prstGeom>
+          <a:noFill/>
+        </p:spPr>
+        <p:txBody>
+          <a:bodyPr wrap="square">
+            <a:spAutoFit/>
+          </a:bodyPr>
+          <a:lstStyle/>
+          <a:p>
+            <a:r>
+              <a:rPr lang="de-DE" sz="1400" dirty="0">
+                <a:hlinkClick r:id="rId2"/>
+              </a:rPr>
+              <a:t>https://learn.microsoft.com/en-us/azure/azure-functions/durable/durable-functions-instance-management?tabs=csharp</a:t>
+            </a:r>
+            <a:r>
+              <a:rPr lang="en-DE" sz="1400" dirty="0"/>
+              <a:t> </a:t>
+            </a:r>
+            <a:endParaRPr lang="de-DE" sz="1400" dirty="0"/>
           </a:p>
         </p:txBody>
       </p:sp>
     </p:spTree>
     <p:extLst>
       <p:ext uri="{BB962C8B-B14F-4D97-AF65-F5344CB8AC3E}">
-        <p14:creationId xmlns:p14="http://schemas.microsoft.com/office/powerpoint/2010/main" val="1486131339"/>
+        <p14:creationId xmlns:p14="http://schemas.microsoft.com/office/powerpoint/2010/main" val="3133940733"/>
       </p:ext>
     </p:extLst>
   </p:cSld>
@@ -9024,190 +9245,34 @@
           <a:p>
             <a:r>
               <a:rPr lang="en-US" dirty="0"/>
-              <a:t>Bindings</a:t>
-            </a:r>
-          </a:p>
-        </p:txBody>
-      </p:sp>
-      <p:sp>
-        <p:nvSpPr>
-          <p:cNvPr id="3" name="Content Placeholder 2"/>
+              <a:t>INTERNAL Design</a:t>
+            </a:r>
+          </a:p>
+        </p:txBody>
+      </p:sp>
+      <p:sp>
+        <p:nvSpPr>
+          <p:cNvPr id="3" name="Text Placeholder 2"/>
           <p:cNvSpPr>
             <a:spLocks noGrp="1"/>
           </p:cNvSpPr>
           <p:nvPr>
-            <p:ph sz="half" idx="1"/>
+            <p:ph type="body" idx="1"/>
           </p:nvPr>
         </p:nvSpPr>
         <p:spPr/>
         <p:txBody>
-          <a:bodyPr>
-            <a:normAutofit lnSpcReduction="10000"/>
-          </a:bodyPr>
+          <a:bodyPr/>
           <a:lstStyle/>
           <a:p>
-            <a:pPr marL="0" indent="0">
-              <a:buNone/>
-            </a:pPr>
-            <a:r>
-              <a:rPr lang="en-US" u="sng" dirty="0"/>
-              <a:t>Trigger Bindings</a:t>
-            </a:r>
-          </a:p>
-          <a:p>
-            <a:r>
-              <a:rPr lang="en-US" b="1" dirty="0"/>
-              <a:t>Orchestration Trigger Binding</a:t>
-            </a:r>
-            <a:r>
-              <a:rPr lang="en-US" dirty="0"/>
-              <a:t> </a:t>
-            </a:r>
-          </a:p>
-          <a:p>
-            <a:pPr lvl="1"/>
-            <a:r>
-              <a:rPr lang="en-US" dirty="0"/>
-              <a:t>Triggers orchestrator functions</a:t>
-            </a:r>
-          </a:p>
-          <a:p>
-            <a:pPr lvl="1"/>
-            <a:r>
-              <a:rPr lang="en-US" dirty="0"/>
-              <a:t>Polls control-queue</a:t>
-            </a:r>
-          </a:p>
-          <a:p>
-            <a:pPr lvl="1"/>
-            <a:r>
-              <a:rPr lang="en-US" dirty="0"/>
-              <a:t>Partition-aware</a:t>
-            </a:r>
-          </a:p>
-          <a:p>
-            <a:pPr lvl="1"/>
-            <a:r>
-              <a:rPr lang="en-US" dirty="0"/>
-              <a:t>Handles return values</a:t>
-            </a:r>
-          </a:p>
-          <a:p>
-            <a:r>
-              <a:rPr lang="en-US" b="1" dirty="0"/>
-              <a:t>Activity Trigger Binding</a:t>
-            </a:r>
-          </a:p>
-          <a:p>
-            <a:pPr lvl="1"/>
-            <a:r>
-              <a:rPr lang="en-US" dirty="0"/>
-              <a:t>Triggers activity functions</a:t>
-            </a:r>
-          </a:p>
-          <a:p>
-            <a:pPr lvl="1"/>
-            <a:r>
-              <a:rPr lang="en-US" dirty="0"/>
-              <a:t>Polls work-item queue</a:t>
-            </a:r>
-          </a:p>
-          <a:p>
-            <a:pPr lvl="1"/>
-            <a:r>
-              <a:rPr lang="en-US" dirty="0"/>
-              <a:t>Stateless</a:t>
-            </a:r>
-          </a:p>
-          <a:p>
-            <a:pPr lvl="1"/>
-            <a:r>
-              <a:rPr lang="en-US" dirty="0"/>
-              <a:t>Handles return values</a:t>
-            </a:r>
-          </a:p>
-          <a:p>
-            <a:pPr lvl="1"/>
-            <a:endParaRPr lang="en-US" dirty="0"/>
-          </a:p>
-        </p:txBody>
-      </p:sp>
-      <p:sp>
-        <p:nvSpPr>
-          <p:cNvPr id="4" name="Content Placeholder 3"/>
-          <p:cNvSpPr>
-            <a:spLocks noGrp="1"/>
-          </p:cNvSpPr>
-          <p:nvPr>
-            <p:ph sz="half" idx="2"/>
-          </p:nvPr>
-        </p:nvSpPr>
-        <p:spPr/>
-        <p:txBody>
-          <a:bodyPr>
-            <a:normAutofit/>
-          </a:bodyPr>
-          <a:lstStyle/>
-          <a:p>
-            <a:pPr marL="0" indent="0">
-              <a:buNone/>
-            </a:pPr>
-            <a:r>
-              <a:rPr lang="en-US" u="sng" dirty="0"/>
-              <a:t>Non-Trigger Bindings</a:t>
-            </a:r>
-          </a:p>
-          <a:p>
-            <a:r>
-              <a:rPr lang="en-US" b="1" dirty="0"/>
-              <a:t>Orchestrator Client</a:t>
-            </a:r>
-          </a:p>
-          <a:p>
-            <a:pPr lvl="1"/>
-            <a:r>
-              <a:rPr lang="en-US" dirty="0"/>
-              <a:t>Output binding</a:t>
-            </a:r>
-          </a:p>
-          <a:p>
-            <a:pPr lvl="1"/>
-            <a:r>
-              <a:rPr lang="en-US" dirty="0"/>
-              <a:t>Start new orchestrator instances</a:t>
-            </a:r>
-          </a:p>
-          <a:p>
-            <a:pPr lvl="1"/>
-            <a:r>
-              <a:rPr lang="en-US" dirty="0"/>
-              <a:t>Terminate instances</a:t>
-            </a:r>
-          </a:p>
-          <a:p>
-            <a:pPr lvl="1"/>
-            <a:r>
-              <a:rPr lang="en-US" dirty="0"/>
-              <a:t>Send event notifications</a:t>
-            </a:r>
-          </a:p>
-          <a:p>
-            <a:pPr lvl="1"/>
-            <a:r>
-              <a:rPr lang="en-US" dirty="0"/>
-              <a:t>Fetch instance status*</a:t>
-            </a:r>
-          </a:p>
-          <a:p>
-            <a:pPr lvl="1"/>
-            <a:endParaRPr lang="en-US" dirty="0"/>
+            <a:endParaRPr lang="en-US"/>
           </a:p>
         </p:txBody>
       </p:sp>
     </p:spTree>
     <p:extLst>
       <p:ext uri="{BB962C8B-B14F-4D97-AF65-F5344CB8AC3E}">
-        <p14:creationId xmlns:p14="http://schemas.microsoft.com/office/powerpoint/2010/main" val="3333362886"/>
+        <p14:creationId xmlns:p14="http://schemas.microsoft.com/office/powerpoint/2010/main" val="1486131339"/>
       </p:ext>
     </p:extLst>
   </p:cSld>
@@ -9251,6 +9316,233 @@
           <a:p>
             <a:r>
               <a:rPr lang="en-US" dirty="0"/>
+              <a:t>Bindings</a:t>
+            </a:r>
+          </a:p>
+        </p:txBody>
+      </p:sp>
+      <p:sp>
+        <p:nvSpPr>
+          <p:cNvPr id="3" name="Content Placeholder 2"/>
+          <p:cNvSpPr>
+            <a:spLocks noGrp="1"/>
+          </p:cNvSpPr>
+          <p:nvPr>
+            <p:ph sz="half" idx="1"/>
+          </p:nvPr>
+        </p:nvSpPr>
+        <p:spPr/>
+        <p:txBody>
+          <a:bodyPr>
+            <a:normAutofit lnSpcReduction="10000"/>
+          </a:bodyPr>
+          <a:lstStyle/>
+          <a:p>
+            <a:pPr marL="0" indent="0">
+              <a:buNone/>
+            </a:pPr>
+            <a:r>
+              <a:rPr lang="en-US" u="sng" dirty="0"/>
+              <a:t>Trigger Bindings</a:t>
+            </a:r>
+          </a:p>
+          <a:p>
+            <a:r>
+              <a:rPr lang="en-US" b="1" dirty="0"/>
+              <a:t>Orchestration Trigger Binding</a:t>
+            </a:r>
+            <a:r>
+              <a:rPr lang="en-US" dirty="0"/>
+              <a:t> </a:t>
+            </a:r>
+          </a:p>
+          <a:p>
+            <a:pPr lvl="1"/>
+            <a:r>
+              <a:rPr lang="en-US" dirty="0"/>
+              <a:t>Triggers orchestrator functions</a:t>
+            </a:r>
+          </a:p>
+          <a:p>
+            <a:pPr lvl="1"/>
+            <a:r>
+              <a:rPr lang="en-US" dirty="0"/>
+              <a:t>Polls control-queue</a:t>
+            </a:r>
+          </a:p>
+          <a:p>
+            <a:pPr lvl="1"/>
+            <a:r>
+              <a:rPr lang="en-US" dirty="0"/>
+              <a:t>Partition-aware</a:t>
+            </a:r>
+          </a:p>
+          <a:p>
+            <a:pPr lvl="1"/>
+            <a:r>
+              <a:rPr lang="en-US" dirty="0"/>
+              <a:t>Handles return values</a:t>
+            </a:r>
+          </a:p>
+          <a:p>
+            <a:r>
+              <a:rPr lang="en-US" b="1" dirty="0"/>
+              <a:t>Activity Trigger Binding</a:t>
+            </a:r>
+          </a:p>
+          <a:p>
+            <a:pPr lvl="1"/>
+            <a:r>
+              <a:rPr lang="en-US" dirty="0"/>
+              <a:t>Triggers activity functions</a:t>
+            </a:r>
+          </a:p>
+          <a:p>
+            <a:pPr lvl="1"/>
+            <a:r>
+              <a:rPr lang="en-US" dirty="0"/>
+              <a:t>Polls work-item queue</a:t>
+            </a:r>
+          </a:p>
+          <a:p>
+            <a:pPr lvl="1"/>
+            <a:r>
+              <a:rPr lang="en-US" dirty="0"/>
+              <a:t>Stateless</a:t>
+            </a:r>
+          </a:p>
+          <a:p>
+            <a:pPr lvl="1"/>
+            <a:r>
+              <a:rPr lang="en-US" dirty="0"/>
+              <a:t>Handles return values</a:t>
+            </a:r>
+          </a:p>
+          <a:p>
+            <a:pPr lvl="1"/>
+            <a:endParaRPr lang="en-US" dirty="0"/>
+          </a:p>
+        </p:txBody>
+      </p:sp>
+      <p:sp>
+        <p:nvSpPr>
+          <p:cNvPr id="4" name="Content Placeholder 3"/>
+          <p:cNvSpPr>
+            <a:spLocks noGrp="1"/>
+          </p:cNvSpPr>
+          <p:nvPr>
+            <p:ph sz="half" idx="2"/>
+          </p:nvPr>
+        </p:nvSpPr>
+        <p:spPr/>
+        <p:txBody>
+          <a:bodyPr>
+            <a:normAutofit/>
+          </a:bodyPr>
+          <a:lstStyle/>
+          <a:p>
+            <a:pPr marL="0" indent="0">
+              <a:buNone/>
+            </a:pPr>
+            <a:r>
+              <a:rPr lang="en-US" u="sng" dirty="0"/>
+              <a:t>Non-Trigger Bindings</a:t>
+            </a:r>
+          </a:p>
+          <a:p>
+            <a:r>
+              <a:rPr lang="en-US" b="1" dirty="0"/>
+              <a:t>Orchestrator Client</a:t>
+            </a:r>
+          </a:p>
+          <a:p>
+            <a:pPr lvl="1"/>
+            <a:r>
+              <a:rPr lang="en-US" dirty="0"/>
+              <a:t>Output binding</a:t>
+            </a:r>
+          </a:p>
+          <a:p>
+            <a:pPr lvl="1"/>
+            <a:r>
+              <a:rPr lang="en-US" dirty="0"/>
+              <a:t>Start new orchestrator instances</a:t>
+            </a:r>
+          </a:p>
+          <a:p>
+            <a:pPr lvl="1"/>
+            <a:r>
+              <a:rPr lang="en-US" dirty="0"/>
+              <a:t>Terminate instances</a:t>
+            </a:r>
+          </a:p>
+          <a:p>
+            <a:pPr lvl="1"/>
+            <a:r>
+              <a:rPr lang="en-US" dirty="0"/>
+              <a:t>Send event notifications</a:t>
+            </a:r>
+          </a:p>
+          <a:p>
+            <a:pPr lvl="1"/>
+            <a:r>
+              <a:rPr lang="en-US" dirty="0"/>
+              <a:t>Fetch instance status*</a:t>
+            </a:r>
+          </a:p>
+          <a:p>
+            <a:pPr lvl="1"/>
+            <a:endParaRPr lang="en-US" dirty="0"/>
+          </a:p>
+        </p:txBody>
+      </p:sp>
+    </p:spTree>
+    <p:extLst>
+      <p:ext uri="{BB962C8B-B14F-4D97-AF65-F5344CB8AC3E}">
+        <p14:creationId xmlns:p14="http://schemas.microsoft.com/office/powerpoint/2010/main" val="3333362886"/>
+      </p:ext>
+    </p:extLst>
+  </p:cSld>
+  <p:clrMapOvr>
+    <a:masterClrMapping/>
+  </p:clrMapOvr>
+</p:sld>
+</file>
+
+<file path=ppt/slides/slide18.xml><?xml version="1.0" encoding="utf-8"?>
+<p:sld xmlns:a="http://schemas.openxmlformats.org/drawingml/2006/main" xmlns:r="http://schemas.openxmlformats.org/officeDocument/2006/relationships" xmlns:p="http://schemas.openxmlformats.org/presentationml/2006/main">
+  <p:cSld>
+    <p:spTree>
+      <p:nvGrpSpPr>
+        <p:cNvPr id="1" name=""/>
+        <p:cNvGrpSpPr/>
+        <p:nvPr/>
+      </p:nvGrpSpPr>
+      <p:grpSpPr>
+        <a:xfrm>
+          <a:off x="0" y="0"/>
+          <a:ext cx="0" cy="0"/>
+          <a:chOff x="0" y="0"/>
+          <a:chExt cx="0" cy="0"/>
+        </a:xfrm>
+      </p:grpSpPr>
+      <p:sp>
+        <p:nvSpPr>
+          <p:cNvPr id="2" name="Title 1"/>
+          <p:cNvSpPr>
+            <a:spLocks noGrp="1"/>
+          </p:cNvSpPr>
+          <p:nvPr>
+            <p:ph type="title"/>
+          </p:nvPr>
+        </p:nvSpPr>
+        <p:spPr/>
+        <p:txBody>
+          <a:bodyPr/>
+          <a:lstStyle/>
+          <a:p>
+            <a:r>
+              <a:rPr lang="en-US" dirty="0"/>
               <a:t>Language Support</a:t>
             </a:r>
           </a:p>
@@ -9303,7 +9595,7 @@
 </p:sld>
 </file>
 
-<file path=ppt/slides/slide18.xml><?xml version="1.0" encoding="utf-8"?>
+<file path=ppt/slides/slide19.xml><?xml version="1.0" encoding="utf-8"?>
 <p:sld xmlns:a="http://schemas.openxmlformats.org/drawingml/2006/main" xmlns:r="http://schemas.openxmlformats.org/officeDocument/2006/relationships" xmlns:p="http://schemas.openxmlformats.org/presentationml/2006/main">
   <p:cSld>
     <p:spTree>
@@ -11190,178 +11482,6 @@
 </p:sld>
 </file>
 
-<file path=ppt/slides/slide19.xml><?xml version="1.0" encoding="utf-8"?>
-<p:sld xmlns:a="http://schemas.openxmlformats.org/drawingml/2006/main" xmlns:r="http://schemas.openxmlformats.org/officeDocument/2006/relationships" xmlns:p="http://schemas.openxmlformats.org/presentationml/2006/main">
-  <p:cSld>
-    <p:spTree>
-      <p:nvGrpSpPr>
-        <p:cNvPr id="1" name=""/>
-        <p:cNvGrpSpPr/>
-        <p:nvPr/>
-      </p:nvGrpSpPr>
-      <p:grpSpPr>
-        <a:xfrm>
-          <a:off x="0" y="0"/>
-          <a:ext cx="0" cy="0"/>
-          <a:chOff x="0" y="0"/>
-          <a:chExt cx="0" cy="0"/>
-        </a:xfrm>
-      </p:grpSpPr>
-      <p:sp>
-        <p:nvSpPr>
-          <p:cNvPr id="2" name="Title 1"/>
-          <p:cNvSpPr>
-            <a:spLocks noGrp="1"/>
-          </p:cNvSpPr>
-          <p:nvPr>
-            <p:ph type="title"/>
-          </p:nvPr>
-        </p:nvSpPr>
-        <p:spPr/>
-        <p:txBody>
-          <a:bodyPr/>
-          <a:lstStyle/>
-          <a:p>
-            <a:r>
-              <a:rPr lang="en-US" dirty="0"/>
-              <a:t>Key Takeaways</a:t>
-            </a:r>
-          </a:p>
-        </p:txBody>
-      </p:sp>
-      <p:sp>
-        <p:nvSpPr>
-          <p:cNvPr id="3" name="Content Placeholder 2"/>
-          <p:cNvSpPr>
-            <a:spLocks noGrp="1"/>
-          </p:cNvSpPr>
-          <p:nvPr>
-            <p:ph idx="1"/>
-          </p:nvPr>
-        </p:nvSpPr>
-        <p:spPr/>
-        <p:txBody>
-          <a:bodyPr>
-            <a:normAutofit/>
-          </a:bodyPr>
-          <a:lstStyle/>
-          <a:p>
-            <a:r>
-              <a:rPr lang="en-US" dirty="0"/>
-              <a:t>Orchestrator functions are:</a:t>
-            </a:r>
-          </a:p>
-          <a:p>
-            <a:pPr lvl="1"/>
-            <a:r>
-              <a:rPr lang="en-US" b="1" dirty="0"/>
-              <a:t>Code</a:t>
-            </a:r>
-            <a:r>
-              <a:rPr lang="en-US" dirty="0"/>
-              <a:t>: code-oriented way to implement business logic.</a:t>
-            </a:r>
-            <a:endParaRPr lang="en-US" b="1" dirty="0"/>
-          </a:p>
-          <a:p>
-            <a:pPr lvl="1"/>
-            <a:r>
-              <a:rPr lang="en-US" b="1" dirty="0"/>
-              <a:t>Stateful</a:t>
-            </a:r>
-            <a:r>
-              <a:rPr lang="en-US" dirty="0"/>
-              <a:t>: local variables and execution progress is preserved.</a:t>
-            </a:r>
-          </a:p>
-          <a:p>
-            <a:pPr lvl="1"/>
-            <a:r>
-              <a:rPr lang="en-US" b="1" dirty="0"/>
-              <a:t>Durable</a:t>
-            </a:r>
-            <a:r>
-              <a:rPr lang="en-US" dirty="0"/>
-              <a:t>: no state is lost when the process recycles or the VM reboots.</a:t>
-            </a:r>
-          </a:p>
-          <a:p>
-            <a:pPr lvl="1"/>
-            <a:r>
-              <a:rPr lang="en-US" b="1" dirty="0"/>
-              <a:t>Long-running:</a:t>
-            </a:r>
-            <a:r>
-              <a:rPr lang="en-US" dirty="0"/>
-              <a:t> they can theoretically run forever:</a:t>
-            </a:r>
-          </a:p>
-          <a:p>
-            <a:pPr lvl="2"/>
-            <a:r>
-              <a:rPr lang="en-US" b="1" dirty="0"/>
-              <a:t>Can go to sleep</a:t>
-            </a:r>
-            <a:r>
-              <a:rPr lang="en-US" dirty="0"/>
-              <a:t> (dehydrate) and </a:t>
-            </a:r>
-            <a:r>
-              <a:rPr lang="en-US" b="1" dirty="0"/>
-              <a:t>billing can be stopped</a:t>
-            </a:r>
-            <a:r>
-              <a:rPr lang="en-US" dirty="0"/>
-              <a:t> while waiting for results.</a:t>
-            </a:r>
-          </a:p>
-          <a:p>
-            <a:pPr lvl="2"/>
-            <a:r>
-              <a:rPr lang="en-US" b="1" dirty="0"/>
-              <a:t>Automatically wake up</a:t>
-            </a:r>
-            <a:r>
-              <a:rPr lang="en-US" dirty="0"/>
-              <a:t> (hydrate) when there is more work to do.</a:t>
-            </a:r>
-          </a:p>
-          <a:p>
-            <a:pPr lvl="1"/>
-            <a:r>
-              <a:rPr lang="en-US" b="1" dirty="0"/>
-              <a:t>Scalable</a:t>
-            </a:r>
-            <a:r>
-              <a:rPr lang="en-US" dirty="0"/>
-              <a:t>: queue-based messaging allows for massive scale-out.</a:t>
-            </a:r>
-          </a:p>
-          <a:p>
-            <a:pPr lvl="1"/>
-            <a:endParaRPr lang="en-US" dirty="0"/>
-          </a:p>
-          <a:p>
-            <a:pPr marL="0" indent="0">
-              <a:buNone/>
-            </a:pPr>
-            <a:endParaRPr lang="en-US" dirty="0"/>
-          </a:p>
-        </p:txBody>
-      </p:sp>
-    </p:spTree>
-    <p:extLst>
-      <p:ext uri="{BB962C8B-B14F-4D97-AF65-F5344CB8AC3E}">
-        <p14:creationId xmlns:p14="http://schemas.microsoft.com/office/powerpoint/2010/main" val="2633001290"/>
-      </p:ext>
-    </p:extLst>
-  </p:cSld>
-  <p:clrMapOvr>
-    <a:masterClrMapping/>
-  </p:clrMapOvr>
-</p:sld>
-</file>
-
 <file path=ppt/slides/slide2.xml><?xml version="1.0" encoding="utf-8"?>
 <p:sld xmlns:a="http://schemas.openxmlformats.org/drawingml/2006/main" xmlns:r="http://schemas.openxmlformats.org/officeDocument/2006/relationships" xmlns:p="http://schemas.openxmlformats.org/presentationml/2006/main">
   <p:cSld>
@@ -11496,7 +11616,7 @@
           <a:p>
             <a:r>
               <a:rPr lang="en-US" dirty="0"/>
-              <a:t>Functions and Logic Apps</a:t>
+              <a:t>Key Takeaways</a:t>
             </a:r>
           </a:p>
         </p:txBody>
@@ -11513,21 +11633,105 @@
         </p:nvSpPr>
         <p:spPr/>
         <p:txBody>
-          <a:bodyPr vert="horz" lIns="91440" tIns="45720" rIns="91440" bIns="45720" rtlCol="0" anchor="t">
+          <a:bodyPr>
             <a:normAutofit/>
           </a:bodyPr>
           <a:lstStyle/>
           <a:p>
             <a:r>
               <a:rPr lang="en-US" dirty="0"/>
-              <a:t>Functions and Logic Apps work great together and that integration will only get better.</a:t>
-            </a:r>
-          </a:p>
-          <a:p>
+              <a:t>Orchestrator functions are:</a:t>
+            </a:r>
+          </a:p>
+          <a:p>
+            <a:pPr lvl="1"/>
+            <a:r>
+              <a:rPr lang="en-US" b="1" dirty="0"/>
+              <a:t>Code</a:t>
+            </a:r>
             <a:r>
               <a:rPr lang="en-US" dirty="0"/>
-              <a:t>You can orchestrate Functions using Logic Apps today.</a:t>
-            </a:r>
+              <a:t>: code-oriented way to implement business logic.</a:t>
+            </a:r>
+            <a:endParaRPr lang="en-US" b="1" dirty="0"/>
+          </a:p>
+          <a:p>
+            <a:pPr lvl="1"/>
+            <a:r>
+              <a:rPr lang="en-US" b="1" dirty="0"/>
+              <a:t>Stateful</a:t>
+            </a:r>
+            <a:r>
+              <a:rPr lang="en-US" dirty="0"/>
+              <a:t>: local variables and execution progress is preserved.</a:t>
+            </a:r>
+          </a:p>
+          <a:p>
+            <a:pPr lvl="1"/>
+            <a:r>
+              <a:rPr lang="en-US" b="1" dirty="0"/>
+              <a:t>Durable</a:t>
+            </a:r>
+            <a:r>
+              <a:rPr lang="en-US" dirty="0"/>
+              <a:t>: no state is lost when the process recycles or the VM reboots.</a:t>
+            </a:r>
+          </a:p>
+          <a:p>
+            <a:pPr lvl="1"/>
+            <a:r>
+              <a:rPr lang="en-US" b="1" dirty="0"/>
+              <a:t>Long-running:</a:t>
+            </a:r>
+            <a:r>
+              <a:rPr lang="en-US" dirty="0"/>
+              <a:t> they can theoretically run forever:</a:t>
+            </a:r>
+          </a:p>
+          <a:p>
+            <a:pPr lvl="2"/>
+            <a:r>
+              <a:rPr lang="en-US" b="1" dirty="0"/>
+              <a:t>Can go to sleep</a:t>
+            </a:r>
+            <a:r>
+              <a:rPr lang="en-US" dirty="0"/>
+              <a:t> (dehydrate) and </a:t>
+            </a:r>
+            <a:r>
+              <a:rPr lang="en-US" b="1" dirty="0"/>
+              <a:t>billing can be stopped</a:t>
+            </a:r>
+            <a:r>
+              <a:rPr lang="en-US" dirty="0"/>
+              <a:t> while waiting for results.</a:t>
+            </a:r>
+          </a:p>
+          <a:p>
+            <a:pPr lvl="2"/>
+            <a:r>
+              <a:rPr lang="en-US" b="1" dirty="0"/>
+              <a:t>Automatically wake up</a:t>
+            </a:r>
+            <a:r>
+              <a:rPr lang="en-US" dirty="0"/>
+              <a:t> (hydrate) when there is more work to do.</a:t>
+            </a:r>
+          </a:p>
+          <a:p>
+            <a:pPr lvl="1"/>
+            <a:r>
+              <a:rPr lang="en-US" b="1" dirty="0"/>
+              <a:t>Scalable</a:t>
+            </a:r>
+            <a:r>
+              <a:rPr lang="en-US" dirty="0"/>
+              <a:t>: queue-based messaging allows for massive scale-out.</a:t>
+            </a:r>
+          </a:p>
+          <a:p>
+            <a:pPr lvl="1"/>
+            <a:endParaRPr lang="en-US" dirty="0"/>
           </a:p>
           <a:p>
             <a:pPr marL="0" indent="0">
@@ -11535,62 +11739,12 @@
             </a:pPr>
             <a:endParaRPr lang="en-US" dirty="0"/>
           </a:p>
-          <a:p>
-            <a:r>
-              <a:rPr lang="en-US" dirty="0"/>
-              <a:t>Durable Functions overlaps with Logic Apps, one function calling another, but:</a:t>
-            </a:r>
-          </a:p>
-          <a:p>
-            <a:pPr lvl="1">
-              <a:buFontTx/>
-              <a:buChar char="-"/>
-            </a:pPr>
-            <a:r>
-              <a:rPr lang="en-US" dirty="0"/>
-              <a:t>Offers advance ‘code only’ orchestration ‘like’ capabilities to function</a:t>
-            </a:r>
-          </a:p>
-          <a:p>
-            <a:pPr lvl="1">
-              <a:buFontTx/>
-              <a:buChar char="-"/>
-            </a:pPr>
-            <a:r>
-              <a:rPr lang="en-US" dirty="0"/>
-              <a:t>Enables "long running" functions</a:t>
-            </a:r>
-          </a:p>
-          <a:p>
-            <a:pPr lvl="1">
-              <a:buFontTx/>
-              <a:buChar char="-"/>
-            </a:pPr>
-            <a:r>
-              <a:rPr lang="en-US" dirty="0"/>
-              <a:t>Enables "advance" scenarios/patterns which are difficult otherwise: async HTTP, map reduce, actors, etc.</a:t>
-            </a:r>
-          </a:p>
-          <a:p>
-            <a:pPr lvl="1">
-              <a:buFontTx/>
-              <a:buChar char="-"/>
-            </a:pPr>
-            <a:endParaRPr lang="en-US" dirty="0"/>
-          </a:p>
-          <a:p>
-            <a:pPr>
-              <a:buFontTx/>
-              <a:buChar char="-"/>
-            </a:pPr>
-            <a:endParaRPr lang="en-US" dirty="0"/>
-          </a:p>
         </p:txBody>
       </p:sp>
     </p:spTree>
     <p:extLst>
       <p:ext uri="{BB962C8B-B14F-4D97-AF65-F5344CB8AC3E}">
-        <p14:creationId xmlns:p14="http://schemas.microsoft.com/office/powerpoint/2010/main" val="3519103842"/>
+        <p14:creationId xmlns:p14="http://schemas.microsoft.com/office/powerpoint/2010/main" val="2633001290"/>
       </p:ext>
     </p:extLst>
   </p:cSld>
@@ -11619,6 +11773,144 @@
       </p:grpSpPr>
       <p:sp>
         <p:nvSpPr>
+          <p:cNvPr id="2" name="Title 1"/>
+          <p:cNvSpPr>
+            <a:spLocks noGrp="1"/>
+          </p:cNvSpPr>
+          <p:nvPr>
+            <p:ph type="title"/>
+          </p:nvPr>
+        </p:nvSpPr>
+        <p:spPr/>
+        <p:txBody>
+          <a:bodyPr/>
+          <a:lstStyle/>
+          <a:p>
+            <a:r>
+              <a:rPr lang="en-US" dirty="0"/>
+              <a:t>Functions and Logic Apps</a:t>
+            </a:r>
+          </a:p>
+        </p:txBody>
+      </p:sp>
+      <p:sp>
+        <p:nvSpPr>
+          <p:cNvPr id="3" name="Content Placeholder 2"/>
+          <p:cNvSpPr>
+            <a:spLocks noGrp="1"/>
+          </p:cNvSpPr>
+          <p:nvPr>
+            <p:ph idx="1"/>
+          </p:nvPr>
+        </p:nvSpPr>
+        <p:spPr/>
+        <p:txBody>
+          <a:bodyPr vert="horz" lIns="91440" tIns="45720" rIns="91440" bIns="45720" rtlCol="0" anchor="t">
+            <a:normAutofit/>
+          </a:bodyPr>
+          <a:lstStyle/>
+          <a:p>
+            <a:r>
+              <a:rPr lang="en-US" dirty="0"/>
+              <a:t>Functions and Logic Apps work great together and that integration will only get better.</a:t>
+            </a:r>
+          </a:p>
+          <a:p>
+            <a:r>
+              <a:rPr lang="en-US" dirty="0"/>
+              <a:t>You can orchestrate Functions using Logic Apps today.</a:t>
+            </a:r>
+          </a:p>
+          <a:p>
+            <a:pPr marL="0" indent="0">
+              <a:buNone/>
+            </a:pPr>
+            <a:endParaRPr lang="en-US" dirty="0"/>
+          </a:p>
+          <a:p>
+            <a:r>
+              <a:rPr lang="en-US" dirty="0"/>
+              <a:t>Durable Functions overlaps with Logic Apps, one function calling another, but:</a:t>
+            </a:r>
+          </a:p>
+          <a:p>
+            <a:pPr lvl="1">
+              <a:buFontTx/>
+              <a:buChar char="-"/>
+            </a:pPr>
+            <a:r>
+              <a:rPr lang="en-US" dirty="0"/>
+              <a:t>Offers advance ‘code only’ orchestration ‘like’ capabilities to function</a:t>
+            </a:r>
+          </a:p>
+          <a:p>
+            <a:pPr lvl="1">
+              <a:buFontTx/>
+              <a:buChar char="-"/>
+            </a:pPr>
+            <a:r>
+              <a:rPr lang="en-US" dirty="0"/>
+              <a:t>Enables "long running" functions</a:t>
+            </a:r>
+          </a:p>
+          <a:p>
+            <a:pPr lvl="1">
+              <a:buFontTx/>
+              <a:buChar char="-"/>
+            </a:pPr>
+            <a:r>
+              <a:rPr lang="en-US" dirty="0"/>
+              <a:t>Enables "advance" scenarios/patterns which are difficult otherwise: async HTTP, map reduce, actors, etc.</a:t>
+            </a:r>
+          </a:p>
+          <a:p>
+            <a:pPr lvl="1">
+              <a:buFontTx/>
+              <a:buChar char="-"/>
+            </a:pPr>
+            <a:endParaRPr lang="en-US" dirty="0"/>
+          </a:p>
+          <a:p>
+            <a:pPr>
+              <a:buFontTx/>
+              <a:buChar char="-"/>
+            </a:pPr>
+            <a:endParaRPr lang="en-US" dirty="0"/>
+          </a:p>
+        </p:txBody>
+      </p:sp>
+    </p:spTree>
+    <p:extLst>
+      <p:ext uri="{BB962C8B-B14F-4D97-AF65-F5344CB8AC3E}">
+        <p14:creationId xmlns:p14="http://schemas.microsoft.com/office/powerpoint/2010/main" val="3519103842"/>
+      </p:ext>
+    </p:extLst>
+  </p:cSld>
+  <p:clrMapOvr>
+    <a:masterClrMapping/>
+  </p:clrMapOvr>
+</p:sld>
+</file>
+
+<file path=ppt/slides/slide22.xml><?xml version="1.0" encoding="utf-8"?>
+<p:sld xmlns:a="http://schemas.openxmlformats.org/drawingml/2006/main" xmlns:r="http://schemas.openxmlformats.org/officeDocument/2006/relationships" xmlns:p="http://schemas.openxmlformats.org/presentationml/2006/main">
+  <p:cSld>
+    <p:spTree>
+      <p:nvGrpSpPr>
+        <p:cNvPr id="1" name=""/>
+        <p:cNvGrpSpPr/>
+        <p:nvPr/>
+      </p:nvGrpSpPr>
+      <p:grpSpPr>
+        <a:xfrm>
+          <a:off x="0" y="0"/>
+          <a:ext cx="0" cy="0"/>
+          <a:chOff x="0" y="0"/>
+          <a:chExt cx="0" cy="0"/>
+        </a:xfrm>
+      </p:grpSpPr>
+      <p:sp>
+        <p:nvSpPr>
           <p:cNvPr id="2" name="Title 1">
             <a:extLst>
               <a:ext uri="{FF2B5EF4-FFF2-40B4-BE49-F238E27FC236}">
@@ -11660,8 +11952,8 @@
         </p:nvSpPr>
         <p:spPr>
           <a:xfrm>
-            <a:off x="1643700" y="3235535"/>
-            <a:ext cx="8904600" cy="646331"/>
+            <a:off x="1643700" y="3429000"/>
+            <a:ext cx="8904600" cy="276999"/>
           </a:xfrm>
           <a:prstGeom prst="rect">
             <a:avLst/>
@@ -11675,12 +11967,12 @@
           <a:lstStyle/>
           <a:p>
             <a:r>
-              <a:rPr lang="en-US" dirty="0">
+              <a:rPr lang="en-US" sz="1200" dirty="0">
                 <a:hlinkClick r:id="rId3"/>
               </a:rPr>
               <a:t>https://docs.microsoft.com/en-us/azure/azure-functions/durable/durable-functions-create-first-csharp?pivots=code-editor-visualstudio</a:t>
             </a:r>
-            <a:endParaRPr lang="en-DE" dirty="0"/>
+            <a:endParaRPr lang="en-DE" sz="1200" dirty="0"/>
           </a:p>
         </p:txBody>
       </p:sp>
@@ -20043,6 +20335,15 @@
 </file>
 
 <file path=customXml/item2.xml><?xml version="1.0" encoding="utf-8"?>
+<?mso-contentType ?>
+<FormTemplates xmlns="http://schemas.microsoft.com/sharepoint/v3/contenttype/forms">
+  <Display>DocumentLibraryForm</Display>
+  <Edit>DocumentLibraryForm</Edit>
+  <New>DocumentLibraryForm</New>
+</FormTemplates>
+</file>
+
+<file path=customXml/item3.xml><?xml version="1.0" encoding="utf-8"?>
 <ct:contentTypeSchema xmlns:ct="http://schemas.microsoft.com/office/2006/metadata/contentType" xmlns:ma="http://schemas.microsoft.com/office/2006/metadata/properties/metaAttributes" ct:_="" ma:_="" ma:contentTypeName="Document" ma:contentTypeID="0x010100635E6BA67282A84592F51FBC3C7E45A7" ma:contentTypeVersion="6" ma:contentTypeDescription="Create a new document." ma:contentTypeScope="" ma:versionID="6fbd42f27ba5c2bd6430315d861e4fb3">
   <xsd:schema xmlns:xsd="http://www.w3.org/2001/XMLSchema" xmlns:xs="http://www.w3.org/2001/XMLSchema" xmlns:p="http://schemas.microsoft.com/office/2006/metadata/properties" xmlns:ns2="fb36830f-dcb9-4175-9c60-7528ad38affb" xmlns:ns3="be090345-f9fd-4fb0-96c7-3975c9b8bda0" targetNamespace="http://schemas.microsoft.com/office/2006/metadata/properties" ma:root="true" ma:fieldsID="691db2ec36faaf83c07f9b2783f3bfcc" ns2:_="" ns3:_="">
     <xsd:import namespace="fb36830f-dcb9-4175-9c60-7528ad38affb"/>
@@ -20221,15 +20522,6 @@
 </ct:contentTypeSchema>
 </file>
 
-<file path=customXml/item3.xml><?xml version="1.0" encoding="utf-8"?>
-<?mso-contentType ?>
-<FormTemplates xmlns="http://schemas.microsoft.com/sharepoint/v3/contenttype/forms">
-  <Display>DocumentLibraryForm</Display>
-  <Edit>DocumentLibraryForm</Edit>
-  <New>DocumentLibraryForm</New>
-</FormTemplates>
-</file>
-
 <file path=customXml/itemProps1.xml><?xml version="1.0" encoding="utf-8"?>
 <ds:datastoreItem xmlns:ds="http://schemas.openxmlformats.org/officeDocument/2006/customXml" ds:itemID="{EA944358-042F-4585-BC6A-833CDE4D422A}">
   <ds:schemaRefs>
@@ -20241,6 +20533,14 @@
 </file>
 
 <file path=customXml/itemProps2.xml><?xml version="1.0" encoding="utf-8"?>
+<ds:datastoreItem xmlns:ds="http://schemas.openxmlformats.org/officeDocument/2006/customXml" ds:itemID="{9297486E-3FDF-4557-8EDC-0303EE05BDD0}">
+  <ds:schemaRefs>
+    <ds:schemaRef ds:uri="http://schemas.microsoft.com/sharepoint/v3/contenttype/forms"/>
+  </ds:schemaRefs>
+</ds:datastoreItem>
+</file>
+
+<file path=customXml/itemProps3.xml><?xml version="1.0" encoding="utf-8"?>
 <ds:datastoreItem xmlns:ds="http://schemas.openxmlformats.org/officeDocument/2006/customXml" ds:itemID="{B3FB5456-17EE-4432-80B2-0171034F3BB0}">
   <ds:schemaRefs>
     <ds:schemaRef ds:uri="http://schemas.microsoft.com/office/2006/metadata/contentType"/>
@@ -20257,12 +20557,4 @@
     <ds:schemaRef ds:uri="http://schemas.microsoft.com/internal/obd"/>
   </ds:schemaRefs>
 </ds:datastoreItem>
-</file>
-
-<file path=customXml/itemProps3.xml><?xml version="1.0" encoding="utf-8"?>
-<ds:datastoreItem xmlns:ds="http://schemas.openxmlformats.org/officeDocument/2006/customXml" ds:itemID="{9297486E-3FDF-4557-8EDC-0303EE05BDD0}">
-  <ds:schemaRefs>
-    <ds:schemaRef ds:uri="http://schemas.microsoft.com/sharepoint/v3/contenttype/forms"/>
-  </ds:schemaRefs>
-</ds:datastoreItem>
 </file>
--- a/AzFunctions/Durable Functions - MVP.pptx
+++ b/AzFunctions/Durable Functions - MVP.pptx
@@ -8986,9 +8986,61 @@
         <p:spPr/>
         <p:txBody>
           <a:bodyPr>
-            <a:normAutofit/>
+            <a:normAutofit lnSpcReduction="10000"/>
           </a:bodyPr>
           <a:lstStyle/>
+          <a:p>
+            <a:pPr marL="0" indent="0">
+              <a:buNone/>
+            </a:pPr>
+            <a:r>
+              <a:rPr lang="en-DE" sz="1800" dirty="0">
+                <a:latin typeface="Segoe UI" panose="020B0502040204020203" pitchFamily="34" charset="0"/>
+                <a:cs typeface="Segoe UI" panose="020B0502040204020203" pitchFamily="34" charset="0"/>
+              </a:rPr>
+              <a:t>Azure Functions C</a:t>
+            </a:r>
+            <a:r>
+              <a:rPr lang="de-DE" sz="1800" dirty="0">
+                <a:latin typeface="Segoe UI" panose="020B0502040204020203" pitchFamily="34" charset="0"/>
+                <a:cs typeface="Segoe UI" panose="020B0502040204020203" pitchFamily="34" charset="0"/>
+              </a:rPr>
+              <a:t>o</a:t>
+            </a:r>
+            <a:r>
+              <a:rPr lang="en-DE" sz="1800" dirty="0">
+                <a:latin typeface="Segoe UI" panose="020B0502040204020203" pitchFamily="34" charset="0"/>
+                <a:cs typeface="Segoe UI" panose="020B0502040204020203" pitchFamily="34" charset="0"/>
+              </a:rPr>
+              <a:t>re Tools: </a:t>
+            </a:r>
+          </a:p>
+          <a:p>
+            <a:pPr marL="0" indent="0">
+              <a:buNone/>
+            </a:pPr>
+            <a:r>
+              <a:rPr lang="de-DE" sz="1200" dirty="0">
+                <a:latin typeface="Consolas" panose="020B0609020204030204" pitchFamily="49" charset="0"/>
+                <a:hlinkClick r:id="rId2"/>
+              </a:rPr>
+              <a:t>https://learn.microsoft.com/en-us/azure/azure-functions/functions-run-local?tabs=v4%2Cwindows%2Ccsharp%2Cportal%2Cbash</a:t>
+            </a:r>
+            <a:r>
+              <a:rPr lang="en-DE" sz="1200" dirty="0">
+                <a:latin typeface="Consolas" panose="020B0609020204030204" pitchFamily="49" charset="0"/>
+              </a:rPr>
+              <a:t> </a:t>
+            </a:r>
+          </a:p>
+          <a:p>
+            <a:pPr marL="0" indent="0">
+              <a:buNone/>
+            </a:pPr>
+            <a:endParaRPr lang="en-DE" sz="1800" dirty="0">
+              <a:latin typeface="Consolas" panose="020B0609020204030204" pitchFamily="49" charset="0"/>
+            </a:endParaRPr>
+          </a:p>
           <a:p>
             <a:pPr marL="0" indent="0">
               <a:buNone/>
@@ -9170,7 +9222,7 @@
         </p:nvSpPr>
         <p:spPr>
           <a:xfrm>
-            <a:off x="365051" y="6492875"/>
+            <a:off x="838200" y="6485713"/>
             <a:ext cx="11461898" cy="307777"/>
           </a:xfrm>
           <a:prstGeom prst="rect">
@@ -9186,7 +9238,7 @@
           <a:p>
             <a:r>
               <a:rPr lang="de-DE" sz="1400" dirty="0">
-                <a:hlinkClick r:id="rId2"/>
+                <a:hlinkClick r:id="rId3"/>
               </a:rPr>
               <a:t>https://learn.microsoft.com/en-us/azure/azure-functions/durable/durable-functions-instance-management?tabs=csharp</a:t>
             </a:r>
@@ -9238,7 +9290,12 @@
             <p:ph type="title"/>
           </p:nvPr>
         </p:nvSpPr>
-        <p:spPr/>
+        <p:spPr>
+          <a:xfrm>
+            <a:off x="831850" y="391301"/>
+            <a:ext cx="10515600" cy="2852737"/>
+          </a:xfrm>
+        </p:spPr>
         <p:txBody>
           <a:bodyPr/>
           <a:lstStyle/>

--- a/AzFunctions/Durable Functions - MVP.pptx
+++ b/AzFunctions/Durable Functions - MVP.pptx
@@ -5,7 +5,7 @@
     <p:sldMasterId id="2147483648" r:id="rId4"/>
   </p:sldMasterIdLst>
   <p:notesMasterIdLst>
-    <p:notesMasterId r:id="rId27"/>
+    <p:notesMasterId r:id="rId28"/>
   </p:notesMasterIdLst>
   <p:sldIdLst>
     <p:sldId id="256" r:id="rId5"/>
@@ -29,7 +29,8 @@
     <p:sldId id="279" r:id="rId23"/>
     <p:sldId id="273" r:id="rId24"/>
     <p:sldId id="287" r:id="rId25"/>
-    <p:sldId id="288" r:id="rId26"/>
+    <p:sldId id="290" r:id="rId26"/>
+    <p:sldId id="288" r:id="rId27"/>
   </p:sldIdLst>
   <p:sldSz cx="12192000" cy="6858000"/>
   <p:notesSz cx="6858000" cy="9144000"/>
@@ -162,6 +163,7 @@
             <p14:sldId id="279"/>
             <p14:sldId id="273"/>
             <p14:sldId id="287"/>
+            <p14:sldId id="290"/>
             <p14:sldId id="288"/>
           </p14:sldIdLst>
         </p14:section>
@@ -507,7 +509,7 @@
           <a:p>
             <a:fld id="{A216FB8D-0277-4E08-9896-1FC8031B3939}" type="datetimeFigureOut">
               <a:rPr lang="en-US" smtClean="0"/>
-              <a:t>9/23/2022</a:t>
+              <a:t>9/26/2022</a:t>
             </a:fld>
             <a:endParaRPr lang="en-US"/>
           </a:p>
@@ -1469,7 +1471,7 @@
           <a:p>
             <a:fld id="{507145BA-C3B4-4DFD-8BEA-002ACC8A21AD}" type="slidenum">
               <a:rPr lang="en-US" smtClean="0"/>
-              <a:t>22</a:t>
+              <a:t>23</a:t>
             </a:fld>
             <a:endParaRPr lang="en-US"/>
           </a:p>
@@ -1617,7 +1619,7 @@
           <a:p>
             <a:fld id="{6E4475C0-E2C7-4A3E-A64B-E2803FC53065}" type="datetime1">
               <a:rPr lang="en-US" smtClean="0"/>
-              <a:t>9/23/2022</a:t>
+              <a:t>9/26/2022</a:t>
             </a:fld>
             <a:endParaRPr lang="en-US"/>
           </a:p>
@@ -1789,7 +1791,7 @@
           <a:p>
             <a:fld id="{1A8C9CDB-8126-4444-9A2F-5BF8AD17EA87}" type="datetime1">
               <a:rPr lang="en-US" smtClean="0"/>
-              <a:t>9/23/2022</a:t>
+              <a:t>9/26/2022</a:t>
             </a:fld>
             <a:endParaRPr lang="en-US"/>
           </a:p>
@@ -1970,7 +1972,7 @@
           <a:p>
             <a:fld id="{861BD3BC-6755-4655-AC2C-D5473E9C126A}" type="datetime1">
               <a:rPr lang="en-US" smtClean="0"/>
-              <a:t>9/23/2022</a:t>
+              <a:t>9/26/2022</a:t>
             </a:fld>
             <a:endParaRPr lang="en-US"/>
           </a:p>
@@ -2141,7 +2143,7 @@
           <a:p>
             <a:fld id="{35AA432D-2EB3-4DCE-8017-240297E276EE}" type="datetime1">
               <a:rPr lang="en-US" smtClean="0"/>
-              <a:t>9/23/2022</a:t>
+              <a:t>9/26/2022</a:t>
             </a:fld>
             <a:endParaRPr lang="en-US"/>
           </a:p>
@@ -2394,7 +2396,7 @@
           <a:p>
             <a:fld id="{3E9EA0B7-CBA0-4FC9-B968-B0A0D0D63218}" type="datetime1">
               <a:rPr lang="en-US" smtClean="0"/>
-              <a:t>9/23/2022</a:t>
+              <a:t>9/26/2022</a:t>
             </a:fld>
             <a:endParaRPr lang="en-US"/>
           </a:p>
@@ -2627,7 +2629,7 @@
           <a:p>
             <a:fld id="{B139D3BC-B21B-444F-B661-E3DE40EAB573}" type="datetime1">
               <a:rPr lang="en-US" smtClean="0"/>
-              <a:t>9/23/2022</a:t>
+              <a:t>9/26/2022</a:t>
             </a:fld>
             <a:endParaRPr lang="en-US"/>
           </a:p>
@@ -2995,7 +2997,7 @@
           <a:p>
             <a:fld id="{A6DAF800-57CA-4CE1-97D5-577268F967B2}" type="datetime1">
               <a:rPr lang="en-US" smtClean="0"/>
-              <a:t>9/23/2022</a:t>
+              <a:t>9/26/2022</a:t>
             </a:fld>
             <a:endParaRPr lang="en-US"/>
           </a:p>
@@ -3116,7 +3118,7 @@
           <a:p>
             <a:fld id="{6F6DB451-C5A7-4808-B4C0-E80021BAFBFA}" type="datetime1">
               <a:rPr lang="en-US" smtClean="0"/>
-              <a:t>9/23/2022</a:t>
+              <a:t>9/26/2022</a:t>
             </a:fld>
             <a:endParaRPr lang="en-US"/>
           </a:p>
@@ -3215,7 +3217,7 @@
           <a:p>
             <a:fld id="{50E77D61-EA0E-4BF5-922C-21A2863F7AA3}" type="datetime1">
               <a:rPr lang="en-US" smtClean="0"/>
-              <a:t>9/23/2022</a:t>
+              <a:t>9/26/2022</a:t>
             </a:fld>
             <a:endParaRPr lang="en-US"/>
           </a:p>
@@ -3493,7 +3495,7 @@
           <a:p>
             <a:fld id="{A830A652-0EC0-43B2-8EEB-D2B5B91594FE}" type="datetime1">
               <a:rPr lang="en-US" smtClean="0"/>
-              <a:t>9/23/2022</a:t>
+              <a:t>9/26/2022</a:t>
             </a:fld>
             <a:endParaRPr lang="en-US"/>
           </a:p>
@@ -3748,7 +3750,7 @@
           <a:p>
             <a:fld id="{601261E5-7818-48C8-BA01-850660C9957C}" type="datetime1">
               <a:rPr lang="en-US" smtClean="0"/>
-              <a:t>9/23/2022</a:t>
+              <a:t>9/26/2022</a:t>
             </a:fld>
             <a:endParaRPr lang="en-US"/>
           </a:p>
@@ -3962,7 +3964,7 @@
           <a:p>
             <a:fld id="{F03F863D-8346-4BCF-8774-06D05EE90ECF}" type="datetime1">
               <a:rPr lang="en-US" smtClean="0"/>
-              <a:t>9/23/2022</a:t>
+              <a:t>9/26/2022</a:t>
             </a:fld>
             <a:endParaRPr lang="en-US"/>
           </a:p>
@@ -11950,6 +11952,138 @@
 </file>
 
 <file path=ppt/slides/slide22.xml><?xml version="1.0" encoding="utf-8"?>
+<p:sld xmlns:a="http://schemas.openxmlformats.org/drawingml/2006/main" xmlns:r="http://schemas.openxmlformats.org/officeDocument/2006/relationships" xmlns:p="http://schemas.openxmlformats.org/presentationml/2006/main">
+  <p:cSld>
+    <p:spTree>
+      <p:nvGrpSpPr>
+        <p:cNvPr id="1" name=""/>
+        <p:cNvGrpSpPr/>
+        <p:nvPr/>
+      </p:nvGrpSpPr>
+      <p:grpSpPr>
+        <a:xfrm>
+          <a:off x="0" y="0"/>
+          <a:ext cx="0" cy="0"/>
+          <a:chOff x="0" y="0"/>
+          <a:chExt cx="0" cy="0"/>
+        </a:xfrm>
+      </p:grpSpPr>
+      <p:sp>
+        <p:nvSpPr>
+          <p:cNvPr id="2" name="Title 1">
+            <a:extLst>
+              <a:ext uri="{FF2B5EF4-FFF2-40B4-BE49-F238E27FC236}">
+                <a16:creationId xmlns:a16="http://schemas.microsoft.com/office/drawing/2014/main" id="{54C0C000-BEC7-D202-6669-B7B90642E040}"/>
+              </a:ext>
+            </a:extLst>
+          </p:cNvPr>
+          <p:cNvSpPr>
+            <a:spLocks noGrp="1"/>
+          </p:cNvSpPr>
+          <p:nvPr>
+            <p:ph type="title"/>
+          </p:nvPr>
+        </p:nvSpPr>
+        <p:spPr/>
+        <p:txBody>
+          <a:bodyPr/>
+          <a:lstStyle/>
+          <a:p>
+            <a:r>
+              <a:rPr lang="en-DE" dirty="0"/>
+              <a:t>Backends</a:t>
+            </a:r>
+            <a:endParaRPr lang="de-DE" dirty="0"/>
+          </a:p>
+        </p:txBody>
+      </p:sp>
+      <p:sp>
+        <p:nvSpPr>
+          <p:cNvPr id="3" name="Content Placeholder 2">
+            <a:extLst>
+              <a:ext uri="{FF2B5EF4-FFF2-40B4-BE49-F238E27FC236}">
+                <a16:creationId xmlns:a16="http://schemas.microsoft.com/office/drawing/2014/main" id="{C7A0C909-F141-9DAE-A7C5-C8C6FA3FE94C}"/>
+              </a:ext>
+            </a:extLst>
+          </p:cNvPr>
+          <p:cNvSpPr>
+            <a:spLocks noGrp="1"/>
+          </p:cNvSpPr>
+          <p:nvPr>
+            <p:ph idx="1"/>
+          </p:nvPr>
+        </p:nvSpPr>
+        <p:spPr/>
+        <p:txBody>
+          <a:bodyPr/>
+          <a:lstStyle/>
+          <a:p>
+            <a:r>
+              <a:rPr lang="de-DE" dirty="0">
+                <a:hlinkClick r:id="rId2"/>
+              </a:rPr>
+              <a:t>Durable </a:t>
+            </a:r>
+            <a:r>
+              <a:rPr lang="de-DE" dirty="0" err="1">
+                <a:hlinkClick r:id="rId2"/>
+              </a:rPr>
+              <a:t>Functions</a:t>
+            </a:r>
+            <a:r>
+              <a:rPr lang="de-DE" dirty="0">
+                <a:hlinkClick r:id="rId2"/>
+              </a:rPr>
+              <a:t> </a:t>
+            </a:r>
+            <a:r>
+              <a:rPr lang="de-DE" dirty="0" err="1">
+                <a:hlinkClick r:id="rId2"/>
+              </a:rPr>
+              <a:t>storage</a:t>
+            </a:r>
+            <a:r>
+              <a:rPr lang="de-DE" dirty="0">
+                <a:hlinkClick r:id="rId2"/>
+              </a:rPr>
+              <a:t> </a:t>
+            </a:r>
+            <a:r>
+              <a:rPr lang="de-DE" dirty="0" err="1">
+                <a:hlinkClick r:id="rId2"/>
+              </a:rPr>
+              <a:t>providers</a:t>
+            </a:r>
+            <a:r>
+              <a:rPr lang="de-DE" dirty="0">
+                <a:hlinkClick r:id="rId2"/>
+              </a:rPr>
+              <a:t> - Azure | Microsoft </a:t>
+            </a:r>
+            <a:r>
+              <a:rPr lang="de-DE" dirty="0" err="1">
+                <a:hlinkClick r:id="rId2"/>
+              </a:rPr>
+              <a:t>Learn</a:t>
+            </a:r>
+            <a:endParaRPr lang="de-DE" dirty="0"/>
+          </a:p>
+        </p:txBody>
+      </p:sp>
+    </p:spTree>
+    <p:extLst>
+      <p:ext uri="{BB962C8B-B14F-4D97-AF65-F5344CB8AC3E}">
+        <p14:creationId xmlns:p14="http://schemas.microsoft.com/office/powerpoint/2010/main" val="2813481593"/>
+      </p:ext>
+    </p:extLst>
+  </p:cSld>
+  <p:clrMapOvr>
+    <a:masterClrMapping/>
+  </p:clrMapOvr>
+</p:sld>
+</file>
+
+<file path=ppt/slides/slide23.xml><?xml version="1.0" encoding="utf-8"?>
 <p:sld xmlns:a="http://schemas.openxmlformats.org/drawingml/2006/main" xmlns:r="http://schemas.openxmlformats.org/officeDocument/2006/relationships" xmlns:p="http://schemas.openxmlformats.org/presentationml/2006/main">
   <p:cSld>
     <p:spTree>
@@ -20366,41 +20500,6 @@
 </file>
 
 <file path=customXml/item1.xml><?xml version="1.0" encoding="utf-8"?>
-<p:properties xmlns:p="http://schemas.microsoft.com/office/2006/metadata/properties" xmlns:xsi="http://www.w3.org/2001/XMLSchema-instance" xmlns:pc="http://schemas.microsoft.com/office/infopath/2007/PartnerControls">
-  <documentManagement>
-    <LastSharedByUser xmlns="fb36830f-dcb9-4175-9c60-7528ad38affb">camerons@microsoft.com</LastSharedByUser>
-    <SharedWithUsers xmlns="fb36830f-dcb9-4175-9c60-7528ad38affb">
-      <UserInfo>
-        <DisplayName>Affan Dar</DisplayName>
-        <AccountId>47</AccountId>
-        <AccountType/>
-      </UserInfo>
-      <UserInfo>
-        <DisplayName>Sam George</DisplayName>
-        <AccountId>34</AccountId>
-        <AccountType/>
-      </UserInfo>
-      <UserInfo>
-        <DisplayName>Cameron Skinner</DisplayName>
-        <AccountId>41</AccountId>
-        <AccountType/>
-      </UserInfo>
-    </SharedWithUsers>
-    <LastSharedByTime xmlns="fb36830f-dcb9-4175-9c60-7528ad38affb">2017-05-04T02:23:35+00:00</LastSharedByTime>
-  </documentManagement>
-</p:properties>
-</file>
-
-<file path=customXml/item2.xml><?xml version="1.0" encoding="utf-8"?>
-<?mso-contentType ?>
-<FormTemplates xmlns="http://schemas.microsoft.com/sharepoint/v3/contenttype/forms">
-  <Display>DocumentLibraryForm</Display>
-  <Edit>DocumentLibraryForm</Edit>
-  <New>DocumentLibraryForm</New>
-</FormTemplates>
-</file>
-
-<file path=customXml/item3.xml><?xml version="1.0" encoding="utf-8"?>
 <ct:contentTypeSchema xmlns:ct="http://schemas.microsoft.com/office/2006/metadata/contentType" xmlns:ma="http://schemas.microsoft.com/office/2006/metadata/properties/metaAttributes" ct:_="" ma:_="" ma:contentTypeName="Document" ma:contentTypeID="0x010100635E6BA67282A84592F51FBC3C7E45A7" ma:contentTypeVersion="6" ma:contentTypeDescription="Create a new document." ma:contentTypeScope="" ma:versionID="6fbd42f27ba5c2bd6430315d861e4fb3">
   <xsd:schema xmlns:xsd="http://www.w3.org/2001/XMLSchema" xmlns:xs="http://www.w3.org/2001/XMLSchema" xmlns:p="http://schemas.microsoft.com/office/2006/metadata/properties" xmlns:ns2="fb36830f-dcb9-4175-9c60-7528ad38affb" xmlns:ns3="be090345-f9fd-4fb0-96c7-3975c9b8bda0" targetNamespace="http://schemas.microsoft.com/office/2006/metadata/properties" ma:root="true" ma:fieldsID="691db2ec36faaf83c07f9b2783f3bfcc" ns2:_="" ns3:_="">
     <xsd:import namespace="fb36830f-dcb9-4175-9c60-7528ad38affb"/>
@@ -20579,25 +20678,42 @@
 </ct:contentTypeSchema>
 </file>
 
-<file path=customXml/itemProps1.xml><?xml version="1.0" encoding="utf-8"?>
-<ds:datastoreItem xmlns:ds="http://schemas.openxmlformats.org/officeDocument/2006/customXml" ds:itemID="{EA944358-042F-4585-BC6A-833CDE4D422A}">
-  <ds:schemaRefs>
-    <ds:schemaRef ds:uri="http://schemas.microsoft.com/office/2006/metadata/properties"/>
-    <ds:schemaRef ds:uri="http://schemas.microsoft.com/office/infopath/2007/PartnerControls"/>
-    <ds:schemaRef ds:uri="fb36830f-dcb9-4175-9c60-7528ad38affb"/>
-  </ds:schemaRefs>
-</ds:datastoreItem>
+<file path=customXml/item2.xml><?xml version="1.0" encoding="utf-8"?>
+<?mso-contentType ?>
+<FormTemplates xmlns="http://schemas.microsoft.com/sharepoint/v3/contenttype/forms">
+  <Display>DocumentLibraryForm</Display>
+  <Edit>DocumentLibraryForm</Edit>
+  <New>DocumentLibraryForm</New>
+</FormTemplates>
 </file>
 
-<file path=customXml/itemProps2.xml><?xml version="1.0" encoding="utf-8"?>
-<ds:datastoreItem xmlns:ds="http://schemas.openxmlformats.org/officeDocument/2006/customXml" ds:itemID="{9297486E-3FDF-4557-8EDC-0303EE05BDD0}">
-  <ds:schemaRefs>
-    <ds:schemaRef ds:uri="http://schemas.microsoft.com/sharepoint/v3/contenttype/forms"/>
-  </ds:schemaRefs>
-</ds:datastoreItem>
+<file path=customXml/item3.xml><?xml version="1.0" encoding="utf-8"?>
+<p:properties xmlns:p="http://schemas.microsoft.com/office/2006/metadata/properties" xmlns:xsi="http://www.w3.org/2001/XMLSchema-instance" xmlns:pc="http://schemas.microsoft.com/office/infopath/2007/PartnerControls">
+  <documentManagement>
+    <LastSharedByUser xmlns="fb36830f-dcb9-4175-9c60-7528ad38affb">camerons@microsoft.com</LastSharedByUser>
+    <SharedWithUsers xmlns="fb36830f-dcb9-4175-9c60-7528ad38affb">
+      <UserInfo>
+        <DisplayName>Affan Dar</DisplayName>
+        <AccountId>47</AccountId>
+        <AccountType/>
+      </UserInfo>
+      <UserInfo>
+        <DisplayName>Sam George</DisplayName>
+        <AccountId>34</AccountId>
+        <AccountType/>
+      </UserInfo>
+      <UserInfo>
+        <DisplayName>Cameron Skinner</DisplayName>
+        <AccountId>41</AccountId>
+        <AccountType/>
+      </UserInfo>
+    </SharedWithUsers>
+    <LastSharedByTime xmlns="fb36830f-dcb9-4175-9c60-7528ad38affb">2017-05-04T02:23:35+00:00</LastSharedByTime>
+  </documentManagement>
+</p:properties>
 </file>
 
-<file path=customXml/itemProps3.xml><?xml version="1.0" encoding="utf-8"?>
+<file path=customXml/itemProps1.xml><?xml version="1.0" encoding="utf-8"?>
 <ds:datastoreItem xmlns:ds="http://schemas.openxmlformats.org/officeDocument/2006/customXml" ds:itemID="{B3FB5456-17EE-4432-80B2-0171034F3BB0}">
   <ds:schemaRefs>
     <ds:schemaRef ds:uri="http://schemas.microsoft.com/office/2006/metadata/contentType"/>
@@ -20614,4 +20730,22 @@
     <ds:schemaRef ds:uri="http://schemas.microsoft.com/internal/obd"/>
   </ds:schemaRefs>
 </ds:datastoreItem>
+</file>
+
+<file path=customXml/itemProps2.xml><?xml version="1.0" encoding="utf-8"?>
+<ds:datastoreItem xmlns:ds="http://schemas.openxmlformats.org/officeDocument/2006/customXml" ds:itemID="{9297486E-3FDF-4557-8EDC-0303EE05BDD0}">
+  <ds:schemaRefs>
+    <ds:schemaRef ds:uri="http://schemas.microsoft.com/sharepoint/v3/contenttype/forms"/>
+  </ds:schemaRefs>
+</ds:datastoreItem>
+</file>
+
+<file path=customXml/itemProps3.xml><?xml version="1.0" encoding="utf-8"?>
+<ds:datastoreItem xmlns:ds="http://schemas.openxmlformats.org/officeDocument/2006/customXml" ds:itemID="{EA944358-042F-4585-BC6A-833CDE4D422A}">
+  <ds:schemaRefs>
+    <ds:schemaRef ds:uri="http://schemas.microsoft.com/office/2006/metadata/properties"/>
+    <ds:schemaRef ds:uri="http://schemas.microsoft.com/office/infopath/2007/PartnerControls"/>
+    <ds:schemaRef ds:uri="fb36830f-dcb9-4175-9c60-7528ad38affb"/>
+  </ds:schemaRefs>
+</ds:datastoreItem>
 </file>